--- a/slides/Quantum Machine Learning - Dia 2.pptx
+++ b/slides/Quantum Machine Learning - Dia 2.pptx
@@ -24,6 +24,7 @@
     <p:sldId id="269" r:id="rId19"/>
     <p:sldId id="270" r:id="rId20"/>
     <p:sldId id="271" r:id="rId21"/>
+    <p:sldId id="272" r:id="rId22"/>
   </p:sldIdLst>
   <p:sldSz cy="5143500" cx="9144000"/>
   <p:notesSz cx="6858000" cy="9144000"/>
@@ -819,7 +820,7 @@
       </p:grpSpPr>
       <p:sp>
         <p:nvSpPr>
-          <p:cNvPr id="106" name="Google Shape;106;g2d53a2e7e13_0_28:notes"/>
+          <p:cNvPr id="106" name="Google Shape;106;g2d53a2e7e13_0_22:notes"/>
           <p:cNvSpPr/>
           <p:nvPr>
             <p:ph idx="2" type="sldImg"/>
@@ -854,7 +855,7 @@
       </p:sp>
       <p:sp>
         <p:nvSpPr>
-          <p:cNvPr id="107" name="Google Shape;107;g2d53a2e7e13_0_28:notes"/>
+          <p:cNvPr id="107" name="Google Shape;107;g2d53a2e7e13_0_22:notes"/>
           <p:cNvSpPr txBox="1"/>
           <p:nvPr>
             <p:ph idx="1" type="body"/>
@@ -904,7 +905,7 @@
   <p:cSld>
     <p:spTree>
       <p:nvGrpSpPr>
-        <p:cNvPr id="110" name="Shape 110"/>
+        <p:cNvPr id="111" name="Shape 111"/>
         <p:cNvGrpSpPr/>
         <p:nvPr/>
       </p:nvGrpSpPr>
@@ -918,7 +919,7 @@
       </p:grpSpPr>
       <p:sp>
         <p:nvSpPr>
-          <p:cNvPr id="111" name="Google Shape;111;g2d53a2e7e13_0_33:notes"/>
+          <p:cNvPr id="112" name="Google Shape;112;g2d53a2e7e13_0_28:notes"/>
           <p:cNvSpPr/>
           <p:nvPr>
             <p:ph idx="2" type="sldImg"/>
@@ -953,7 +954,7 @@
       </p:sp>
       <p:sp>
         <p:nvSpPr>
-          <p:cNvPr id="112" name="Google Shape;112;g2d53a2e7e13_0_33:notes"/>
+          <p:cNvPr id="113" name="Google Shape;113;g2d53a2e7e13_0_28:notes"/>
           <p:cNvSpPr txBox="1"/>
           <p:nvPr>
             <p:ph idx="1" type="body"/>
@@ -1017,7 +1018,7 @@
       </p:grpSpPr>
       <p:sp>
         <p:nvSpPr>
-          <p:cNvPr id="117" name="Google Shape;117;g2d53a2e7e13_0_44:notes"/>
+          <p:cNvPr id="117" name="Google Shape;117;g2d53a2e7e13_0_33:notes"/>
           <p:cNvSpPr/>
           <p:nvPr>
             <p:ph idx="2" type="sldImg"/>
@@ -1052,7 +1053,7 @@
       </p:sp>
       <p:sp>
         <p:nvSpPr>
-          <p:cNvPr id="118" name="Google Shape;118;g2d53a2e7e13_0_44:notes"/>
+          <p:cNvPr id="118" name="Google Shape;118;g2d53a2e7e13_0_33:notes"/>
           <p:cNvSpPr txBox="1"/>
           <p:nvPr>
             <p:ph idx="1" type="body"/>
@@ -1102,7 +1103,7 @@
   <p:cSld>
     <p:spTree>
       <p:nvGrpSpPr>
-        <p:cNvPr id="121" name="Shape 121"/>
+        <p:cNvPr id="122" name="Shape 122"/>
         <p:cNvGrpSpPr/>
         <p:nvPr/>
       </p:nvGrpSpPr>
@@ -1116,7 +1117,7 @@
       </p:grpSpPr>
       <p:sp>
         <p:nvSpPr>
-          <p:cNvPr id="122" name="Google Shape;122;g2d53a2e7e13_0_49:notes"/>
+          <p:cNvPr id="123" name="Google Shape;123;g2d53a2e7e13_0_44:notes"/>
           <p:cNvSpPr/>
           <p:nvPr>
             <p:ph idx="2" type="sldImg"/>
@@ -1151,7 +1152,7 @@
       </p:sp>
       <p:sp>
         <p:nvSpPr>
-          <p:cNvPr id="123" name="Google Shape;123;g2d53a2e7e13_0_49:notes"/>
+          <p:cNvPr id="124" name="Google Shape;124;g2d53a2e7e13_0_44:notes"/>
           <p:cNvSpPr txBox="1"/>
           <p:nvPr>
             <p:ph idx="1" type="body"/>
@@ -1215,7 +1216,7 @@
       </p:grpSpPr>
       <p:sp>
         <p:nvSpPr>
-          <p:cNvPr id="128" name="Google Shape;128;g2d53a2e7e13_0_55:notes"/>
+          <p:cNvPr id="128" name="Google Shape;128;g2d53a2e7e13_0_49:notes"/>
           <p:cNvSpPr/>
           <p:nvPr>
             <p:ph idx="2" type="sldImg"/>
@@ -1250,7 +1251,7 @@
       </p:sp>
       <p:sp>
         <p:nvSpPr>
-          <p:cNvPr id="129" name="Google Shape;129;g2d53a2e7e13_0_55:notes"/>
+          <p:cNvPr id="129" name="Google Shape;129;g2d53a2e7e13_0_49:notes"/>
           <p:cNvSpPr txBox="1"/>
           <p:nvPr>
             <p:ph idx="1" type="body"/>
@@ -1314,7 +1315,7 @@
       </p:grpSpPr>
       <p:sp>
         <p:nvSpPr>
-          <p:cNvPr id="134" name="Google Shape;134;g2d53a2e7e13_0_60:notes"/>
+          <p:cNvPr id="134" name="Google Shape;134;g2d53a2e7e13_0_55:notes"/>
           <p:cNvSpPr/>
           <p:nvPr>
             <p:ph idx="2" type="sldImg"/>
@@ -1349,7 +1350,7 @@
       </p:sp>
       <p:sp>
         <p:nvSpPr>
-          <p:cNvPr id="135" name="Google Shape;135;g2d53a2e7e13_0_60:notes"/>
+          <p:cNvPr id="135" name="Google Shape;135;g2d53a2e7e13_0_55:notes"/>
           <p:cNvSpPr txBox="1"/>
           <p:nvPr>
             <p:ph idx="1" type="body"/>
@@ -1399,7 +1400,7 @@
   <p:cSld>
     <p:spTree>
       <p:nvGrpSpPr>
-        <p:cNvPr id="138" name="Shape 138"/>
+        <p:cNvPr id="139" name="Shape 139"/>
         <p:cNvGrpSpPr/>
         <p:nvPr/>
       </p:nvGrpSpPr>
@@ -1413,7 +1414,7 @@
       </p:grpSpPr>
       <p:sp>
         <p:nvSpPr>
-          <p:cNvPr id="139" name="Google Shape;139;g2d53a2e7e13_0_64:notes"/>
+          <p:cNvPr id="140" name="Google Shape;140;g2d53a2e7e13_0_60:notes"/>
           <p:cNvSpPr/>
           <p:nvPr>
             <p:ph idx="2" type="sldImg"/>
@@ -1448,7 +1449,106 @@
       </p:sp>
       <p:sp>
         <p:nvSpPr>
-          <p:cNvPr id="140" name="Google Shape;140;g2d53a2e7e13_0_64:notes"/>
+          <p:cNvPr id="141" name="Google Shape;141;g2d53a2e7e13_0_60:notes"/>
+          <p:cNvSpPr txBox="1"/>
+          <p:nvPr>
+            <p:ph idx="1" type="body"/>
+          </p:nvPr>
+        </p:nvSpPr>
+        <p:spPr>
+          <a:xfrm>
+            <a:off x="685800" y="4343400"/>
+            <a:ext cx="5486400" cy="4114800"/>
+          </a:xfrm>
+          <a:prstGeom prst="rect">
+            <a:avLst/>
+          </a:prstGeom>
+        </p:spPr>
+        <p:txBody>
+          <a:bodyPr anchorCtr="0" anchor="t" bIns="91425" lIns="91425" spcFirstLastPara="1" rIns="91425" wrap="square" tIns="91425">
+            <a:noAutofit/>
+          </a:bodyPr>
+          <a:lstStyle/>
+          <a:p>
+            <a:pPr indent="0" lvl="0" marL="0" rtl="0" algn="l">
+              <a:spcBef>
+                <a:spcPts val="0"/>
+              </a:spcBef>
+              <a:spcAft>
+                <a:spcPts val="0"/>
+              </a:spcAft>
+              <a:buNone/>
+            </a:pPr>
+            <a:r>
+              <a:t/>
+            </a:r>
+            <a:endParaRPr/>
+          </a:p>
+        </p:txBody>
+      </p:sp>
+    </p:spTree>
+  </p:cSld>
+  <p:clrMapOvr>
+    <a:masterClrMapping/>
+  </p:clrMapOvr>
+</p:notes>
+</file>
+
+<file path=ppt/notesSlides/notesSlide17.xml><?xml version="1.0" encoding="utf-8"?>
+<p:notes xmlns:a="http://schemas.openxmlformats.org/drawingml/2006/main" xmlns:r="http://schemas.openxmlformats.org/officeDocument/2006/relationships" xmlns:mc="http://schemas.openxmlformats.org/markup-compatibility/2006" xmlns:mv="urn:schemas-microsoft-com:mac:vml" xmlns:p="http://schemas.openxmlformats.org/presentationml/2006/main" xmlns:c="http://schemas.openxmlformats.org/drawingml/2006/chart" xmlns:dgm="http://schemas.openxmlformats.org/drawingml/2006/diagram" xmlns:o="urn:schemas-microsoft-com:office:office" xmlns:v="urn:schemas-microsoft-com:vml" xmlns:pvml="urn:schemas-microsoft-com:office:powerpoint" xmlns:com="http://schemas.openxmlformats.org/drawingml/2006/compatibility" xmlns:p14="http://schemas.microsoft.com/office/powerpoint/2010/main" xmlns:p15="http://schemas.microsoft.com/office/powerpoint/2012/main" xmlns:ahyp="http://schemas.microsoft.com/office/drawing/2018/hyperlinkcolor" showMasterPhAnim="0" showMasterSp="0">
+  <p:cSld>
+    <p:spTree>
+      <p:nvGrpSpPr>
+        <p:cNvPr id="144" name="Shape 144"/>
+        <p:cNvGrpSpPr/>
+        <p:nvPr/>
+      </p:nvGrpSpPr>
+      <p:grpSpPr>
+        <a:xfrm>
+          <a:off x="0" y="0"/>
+          <a:ext cx="0" cy="0"/>
+          <a:chOff x="0" y="0"/>
+          <a:chExt cx="0" cy="0"/>
+        </a:xfrm>
+      </p:grpSpPr>
+      <p:sp>
+        <p:nvSpPr>
+          <p:cNvPr id="145" name="Google Shape;145;g2d53a2e7e13_0_64:notes"/>
+          <p:cNvSpPr/>
+          <p:nvPr>
+            <p:ph idx="2" type="sldImg"/>
+          </p:nvPr>
+        </p:nvSpPr>
+        <p:spPr>
+          <a:xfrm>
+            <a:off x="381300" y="685800"/>
+            <a:ext cx="6096000" cy="3429000"/>
+          </a:xfrm>
+          <a:custGeom>
+            <a:rect b="b" l="l" r="r" t="t"/>
+            <a:pathLst>
+              <a:path extrusionOk="0" h="120000" w="120000">
+                <a:moveTo>
+                  <a:pt x="0" y="0"/>
+                </a:moveTo>
+                <a:lnTo>
+                  <a:pt x="120000" y="0"/>
+                </a:lnTo>
+                <a:lnTo>
+                  <a:pt x="120000" y="120000"/>
+                </a:lnTo>
+                <a:lnTo>
+                  <a:pt x="0" y="120000"/>
+                </a:lnTo>
+                <a:close/>
+              </a:path>
+            </a:pathLst>
+          </a:custGeom>
+        </p:spPr>
+      </p:sp>
+      <p:sp>
+        <p:nvSpPr>
+          <p:cNvPr id="146" name="Google Shape;146;g2d53a2e7e13_0_64:notes"/>
           <p:cNvSpPr txBox="1"/>
           <p:nvPr>
             <p:ph idx="1" type="body"/>
@@ -2007,7 +2107,7 @@
       </p:grpSpPr>
       <p:sp>
         <p:nvSpPr>
-          <p:cNvPr id="88" name="Google Shape;88;g2d53a2e7e13_0_3:notes"/>
+          <p:cNvPr id="88" name="Google Shape;88;g3146b80f729_0_0:notes"/>
           <p:cNvSpPr/>
           <p:nvPr>
             <p:ph idx="2" type="sldImg"/>
@@ -2042,7 +2142,7 @@
       </p:sp>
       <p:sp>
         <p:nvSpPr>
-          <p:cNvPr id="89" name="Google Shape;89;g2d53a2e7e13_0_3:notes"/>
+          <p:cNvPr id="89" name="Google Shape;89;g3146b80f729_0_0:notes"/>
           <p:cNvSpPr txBox="1"/>
           <p:nvPr>
             <p:ph idx="1" type="body"/>
@@ -2106,7 +2206,7 @@
       </p:grpSpPr>
       <p:sp>
         <p:nvSpPr>
-          <p:cNvPr id="94" name="Google Shape;94;g2d53a2e7e13_0_6:notes"/>
+          <p:cNvPr id="94" name="Google Shape;94;g2d53a2e7e13_0_3:notes"/>
           <p:cNvSpPr/>
           <p:nvPr>
             <p:ph idx="2" type="sldImg"/>
@@ -2141,7 +2241,7 @@
       </p:sp>
       <p:sp>
         <p:nvSpPr>
-          <p:cNvPr id="95" name="Google Shape;95;g2d53a2e7e13_0_6:notes"/>
+          <p:cNvPr id="95" name="Google Shape;95;g2d53a2e7e13_0_3:notes"/>
           <p:cNvSpPr txBox="1"/>
           <p:nvPr>
             <p:ph idx="1" type="body"/>
@@ -2205,7 +2305,7 @@
       </p:grpSpPr>
       <p:sp>
         <p:nvSpPr>
-          <p:cNvPr id="100" name="Google Shape;100;g2d53a2e7e13_0_22:notes"/>
+          <p:cNvPr id="100" name="Google Shape;100;g2d53a2e7e13_0_6:notes"/>
           <p:cNvSpPr/>
           <p:nvPr>
             <p:ph idx="2" type="sldImg"/>
@@ -2240,7 +2340,7 @@
       </p:sp>
       <p:sp>
         <p:nvSpPr>
-          <p:cNvPr id="101" name="Google Shape;101;g2d53a2e7e13_0_22:notes"/>
+          <p:cNvPr id="101" name="Google Shape;101;g2d53a2e7e13_0_6:notes"/>
           <p:cNvSpPr txBox="1"/>
           <p:nvPr>
             <p:ph idx="1" type="body"/>
@@ -7058,7 +7158,7 @@
       </p:grpSpPr>
       <p:pic>
         <p:nvPicPr>
-          <p:cNvPr descr="Demônio feminino Foto stock gratuita - Public Domain Pictures" id="109" name="Google Shape;109;p22"/>
+          <p:cNvPr id="109" name="Google Shape;109;p22"/>
           <p:cNvPicPr preferRelativeResize="0"/>
           <p:nvPr/>
         </p:nvPicPr>
@@ -7072,8 +7172,8 @@
         </p:blipFill>
         <p:spPr>
           <a:xfrm>
-            <a:off x="2758475" y="152400"/>
-            <a:ext cx="3627058" cy="4838700"/>
+            <a:off x="1992250" y="443150"/>
+            <a:ext cx="5159500" cy="3869625"/>
           </a:xfrm>
           <a:prstGeom prst="rect">
             <a:avLst/>
@@ -7084,68 +7184,15 @@
           </a:ln>
         </p:spPr>
       </p:pic>
-    </p:spTree>
-  </p:cSld>
-  <p:clrMapOvr>
-    <a:masterClrMapping/>
-  </p:clrMapOvr>
-</p:sld>
-</file>
-
-<file path=ppt/slides/slide11.xml><?xml version="1.0" encoding="utf-8"?>
-<p:sld xmlns:a="http://schemas.openxmlformats.org/drawingml/2006/main" xmlns:r="http://schemas.openxmlformats.org/officeDocument/2006/relationships" xmlns:mc="http://schemas.openxmlformats.org/markup-compatibility/2006" xmlns:mv="urn:schemas-microsoft-com:mac:vml" xmlns:p="http://schemas.openxmlformats.org/presentationml/2006/main" xmlns:c="http://schemas.openxmlformats.org/drawingml/2006/chart" xmlns:dgm="http://schemas.openxmlformats.org/drawingml/2006/diagram" xmlns:o="urn:schemas-microsoft-com:office:office" xmlns:v="urn:schemas-microsoft-com:vml" xmlns:pvml="urn:schemas-microsoft-com:office:powerpoint" xmlns:com="http://schemas.openxmlformats.org/drawingml/2006/compatibility" xmlns:p14="http://schemas.microsoft.com/office/powerpoint/2010/main" xmlns:p15="http://schemas.microsoft.com/office/powerpoint/2012/main" xmlns:ahyp="http://schemas.microsoft.com/office/drawing/2018/hyperlinkcolor">
-  <p:cSld>
-    <p:spTree>
-      <p:nvGrpSpPr>
-        <p:cNvPr id="113" name="Shape 113"/>
-        <p:cNvGrpSpPr/>
-        <p:nvPr/>
-      </p:nvGrpSpPr>
-      <p:grpSpPr>
-        <a:xfrm>
-          <a:off x="0" y="0"/>
-          <a:ext cx="0" cy="0"/>
-          <a:chOff x="0" y="0"/>
-          <a:chExt cx="0" cy="0"/>
-        </a:xfrm>
-      </p:grpSpPr>
-      <p:pic>
-        <p:nvPicPr>
-          <p:cNvPr id="114" name="Google Shape;114;p23"/>
-          <p:cNvPicPr preferRelativeResize="0"/>
-          <p:nvPr/>
-        </p:nvPicPr>
-        <p:blipFill>
-          <a:blip r:embed="rId3">
-            <a:alphaModFix/>
-          </a:blip>
-          <a:stretch>
-            <a:fillRect/>
-          </a:stretch>
-        </p:blipFill>
-        <p:spPr>
-          <a:xfrm>
-            <a:off x="571163" y="220676"/>
-            <a:ext cx="8001674" cy="4289949"/>
-          </a:xfrm>
-          <a:prstGeom prst="rect">
-            <a:avLst/>
-          </a:prstGeom>
-          <a:noFill/>
-          <a:ln>
-            <a:noFill/>
-          </a:ln>
-        </p:spPr>
-      </p:pic>
       <p:sp>
         <p:nvSpPr>
-          <p:cNvPr id="115" name="Google Shape;115;p23"/>
+          <p:cNvPr id="110" name="Google Shape;110;p22"/>
           <p:cNvSpPr txBox="1"/>
           <p:nvPr/>
         </p:nvSpPr>
         <p:spPr>
           <a:xfrm>
-            <a:off x="3934953" y="4510625"/>
+            <a:off x="4042353" y="4070475"/>
             <a:ext cx="1274100" cy="338700"/>
           </a:xfrm>
           <a:prstGeom prst="rect">
@@ -7186,7 +7233,7 @@
                 </a:solidFill>
                 <a:hlinkClick r:id="rId4"/>
               </a:rPr>
-              <a:t>QiskitML</a:t>
+              <a:t>Wikimedia</a:t>
             </a:r>
             <a:endParaRPr sz="1000">
               <a:solidFill>
@@ -7196,6 +7243,59 @@
           </a:p>
         </p:txBody>
       </p:sp>
+    </p:spTree>
+  </p:cSld>
+  <p:clrMapOvr>
+    <a:masterClrMapping/>
+  </p:clrMapOvr>
+</p:sld>
+</file>
+
+<file path=ppt/slides/slide11.xml><?xml version="1.0" encoding="utf-8"?>
+<p:sld xmlns:a="http://schemas.openxmlformats.org/drawingml/2006/main" xmlns:r="http://schemas.openxmlformats.org/officeDocument/2006/relationships" xmlns:mc="http://schemas.openxmlformats.org/markup-compatibility/2006" xmlns:mv="urn:schemas-microsoft-com:mac:vml" xmlns:p="http://schemas.openxmlformats.org/presentationml/2006/main" xmlns:c="http://schemas.openxmlformats.org/drawingml/2006/chart" xmlns:dgm="http://schemas.openxmlformats.org/drawingml/2006/diagram" xmlns:o="urn:schemas-microsoft-com:office:office" xmlns:v="urn:schemas-microsoft-com:vml" xmlns:pvml="urn:schemas-microsoft-com:office:powerpoint" xmlns:com="http://schemas.openxmlformats.org/drawingml/2006/compatibility" xmlns:p14="http://schemas.microsoft.com/office/powerpoint/2010/main" xmlns:p15="http://schemas.microsoft.com/office/powerpoint/2012/main" xmlns:ahyp="http://schemas.microsoft.com/office/drawing/2018/hyperlinkcolor">
+  <p:cSld>
+    <p:spTree>
+      <p:nvGrpSpPr>
+        <p:cNvPr id="114" name="Shape 114"/>
+        <p:cNvGrpSpPr/>
+        <p:nvPr/>
+      </p:nvGrpSpPr>
+      <p:grpSpPr>
+        <a:xfrm>
+          <a:off x="0" y="0"/>
+          <a:ext cx="0" cy="0"/>
+          <a:chOff x="0" y="0"/>
+          <a:chExt cx="0" cy="0"/>
+        </a:xfrm>
+      </p:grpSpPr>
+      <p:pic>
+        <p:nvPicPr>
+          <p:cNvPr descr="Demônio feminino Foto stock gratuita - Public Domain Pictures" id="115" name="Google Shape;115;p23"/>
+          <p:cNvPicPr preferRelativeResize="0"/>
+          <p:nvPr/>
+        </p:nvPicPr>
+        <p:blipFill>
+          <a:blip r:embed="rId3">
+            <a:alphaModFix/>
+          </a:blip>
+          <a:stretch>
+            <a:fillRect/>
+          </a:stretch>
+        </p:blipFill>
+        <p:spPr>
+          <a:xfrm>
+            <a:off x="2758475" y="152400"/>
+            <a:ext cx="3627058" cy="4838700"/>
+          </a:xfrm>
+          <a:prstGeom prst="rect">
+            <a:avLst/>
+          </a:prstGeom>
+          <a:noFill/>
+          <a:ln>
+            <a:noFill/>
+          </a:ln>
+        </p:spPr>
+      </p:pic>
     </p:spTree>
   </p:cSld>
   <p:clrMapOvr>
@@ -7237,8 +7337,8 @@
         </p:blipFill>
         <p:spPr>
           <a:xfrm>
-            <a:off x="3105150" y="1258175"/>
-            <a:ext cx="2933700" cy="2571750"/>
+            <a:off x="571163" y="220676"/>
+            <a:ext cx="8001674" cy="4289949"/>
           </a:xfrm>
           <a:prstGeom prst="rect">
             <a:avLst/>
@@ -7249,68 +7349,15 @@
           </a:ln>
         </p:spPr>
       </p:pic>
-    </p:spTree>
-  </p:cSld>
-  <p:clrMapOvr>
-    <a:masterClrMapping/>
-  </p:clrMapOvr>
-</p:sld>
-</file>
-
-<file path=ppt/slides/slide13.xml><?xml version="1.0" encoding="utf-8"?>
-<p:sld xmlns:a="http://schemas.openxmlformats.org/drawingml/2006/main" xmlns:r="http://schemas.openxmlformats.org/officeDocument/2006/relationships" xmlns:mc="http://schemas.openxmlformats.org/markup-compatibility/2006" xmlns:mv="urn:schemas-microsoft-com:mac:vml" xmlns:p="http://schemas.openxmlformats.org/presentationml/2006/main" xmlns:c="http://schemas.openxmlformats.org/drawingml/2006/chart" xmlns:dgm="http://schemas.openxmlformats.org/drawingml/2006/diagram" xmlns:o="urn:schemas-microsoft-com:office:office" xmlns:v="urn:schemas-microsoft-com:vml" xmlns:pvml="urn:schemas-microsoft-com:office:powerpoint" xmlns:com="http://schemas.openxmlformats.org/drawingml/2006/compatibility" xmlns:p14="http://schemas.microsoft.com/office/powerpoint/2010/main" xmlns:p15="http://schemas.microsoft.com/office/powerpoint/2012/main" xmlns:ahyp="http://schemas.microsoft.com/office/drawing/2018/hyperlinkcolor">
-  <p:cSld>
-    <p:spTree>
-      <p:nvGrpSpPr>
-        <p:cNvPr id="124" name="Shape 124"/>
-        <p:cNvGrpSpPr/>
-        <p:nvPr/>
-      </p:nvGrpSpPr>
-      <p:grpSpPr>
-        <a:xfrm>
-          <a:off x="0" y="0"/>
-          <a:ext cx="0" cy="0"/>
-          <a:chOff x="0" y="0"/>
-          <a:chExt cx="0" cy="0"/>
-        </a:xfrm>
-      </p:grpSpPr>
-      <p:pic>
-        <p:nvPicPr>
-          <p:cNvPr id="125" name="Google Shape;125;p25"/>
-          <p:cNvPicPr preferRelativeResize="0"/>
-          <p:nvPr/>
-        </p:nvPicPr>
-        <p:blipFill>
-          <a:blip r:embed="rId3">
-            <a:alphaModFix/>
-          </a:blip>
-          <a:stretch>
-            <a:fillRect/>
-          </a:stretch>
-        </p:blipFill>
-        <p:spPr>
-          <a:xfrm>
-            <a:off x="575075" y="1675276"/>
-            <a:ext cx="7647700" cy="1625150"/>
-          </a:xfrm>
-          <a:prstGeom prst="rect">
-            <a:avLst/>
-          </a:prstGeom>
-          <a:noFill/>
-          <a:ln>
-            <a:noFill/>
-          </a:ln>
-        </p:spPr>
-      </p:pic>
       <p:sp>
         <p:nvSpPr>
-          <p:cNvPr id="126" name="Google Shape;126;p25"/>
+          <p:cNvPr id="121" name="Google Shape;121;p24"/>
           <p:cNvSpPr txBox="1"/>
           <p:nvPr/>
         </p:nvSpPr>
         <p:spPr>
           <a:xfrm>
-            <a:off x="3934953" y="3333800"/>
+            <a:off x="3934953" y="4510625"/>
             <a:ext cx="1274100" cy="338700"/>
           </a:xfrm>
           <a:prstGeom prst="rect">
@@ -7351,7 +7398,7 @@
                 </a:solidFill>
                 <a:hlinkClick r:id="rId4"/>
               </a:rPr>
-              <a:t>Medium</a:t>
+              <a:t>QiskitML</a:t>
             </a:r>
             <a:endParaRPr sz="1000">
               <a:solidFill>
@@ -7361,6 +7408,59 @@
           </a:p>
         </p:txBody>
       </p:sp>
+    </p:spTree>
+  </p:cSld>
+  <p:clrMapOvr>
+    <a:masterClrMapping/>
+  </p:clrMapOvr>
+</p:sld>
+</file>
+
+<file path=ppt/slides/slide13.xml><?xml version="1.0" encoding="utf-8"?>
+<p:sld xmlns:a="http://schemas.openxmlformats.org/drawingml/2006/main" xmlns:r="http://schemas.openxmlformats.org/officeDocument/2006/relationships" xmlns:mc="http://schemas.openxmlformats.org/markup-compatibility/2006" xmlns:mv="urn:schemas-microsoft-com:mac:vml" xmlns:p="http://schemas.openxmlformats.org/presentationml/2006/main" xmlns:c="http://schemas.openxmlformats.org/drawingml/2006/chart" xmlns:dgm="http://schemas.openxmlformats.org/drawingml/2006/diagram" xmlns:o="urn:schemas-microsoft-com:office:office" xmlns:v="urn:schemas-microsoft-com:vml" xmlns:pvml="urn:schemas-microsoft-com:office:powerpoint" xmlns:com="http://schemas.openxmlformats.org/drawingml/2006/compatibility" xmlns:p14="http://schemas.microsoft.com/office/powerpoint/2010/main" xmlns:p15="http://schemas.microsoft.com/office/powerpoint/2012/main" xmlns:ahyp="http://schemas.microsoft.com/office/drawing/2018/hyperlinkcolor">
+  <p:cSld>
+    <p:spTree>
+      <p:nvGrpSpPr>
+        <p:cNvPr id="125" name="Shape 125"/>
+        <p:cNvGrpSpPr/>
+        <p:nvPr/>
+      </p:nvGrpSpPr>
+      <p:grpSpPr>
+        <a:xfrm>
+          <a:off x="0" y="0"/>
+          <a:ext cx="0" cy="0"/>
+          <a:chOff x="0" y="0"/>
+          <a:chExt cx="0" cy="0"/>
+        </a:xfrm>
+      </p:grpSpPr>
+      <p:pic>
+        <p:nvPicPr>
+          <p:cNvPr id="126" name="Google Shape;126;p25"/>
+          <p:cNvPicPr preferRelativeResize="0"/>
+          <p:nvPr/>
+        </p:nvPicPr>
+        <p:blipFill>
+          <a:blip r:embed="rId3">
+            <a:alphaModFix/>
+          </a:blip>
+          <a:stretch>
+            <a:fillRect/>
+          </a:stretch>
+        </p:blipFill>
+        <p:spPr>
+          <a:xfrm>
+            <a:off x="3105150" y="1258175"/>
+            <a:ext cx="2933700" cy="2571750"/>
+          </a:xfrm>
+          <a:prstGeom prst="rect">
+            <a:avLst/>
+          </a:prstGeom>
+          <a:noFill/>
+          <a:ln>
+            <a:noFill/>
+          </a:ln>
+        </p:spPr>
+      </p:pic>
     </p:spTree>
   </p:cSld>
   <p:clrMapOvr>
@@ -7402,8 +7502,8 @@
         </p:blipFill>
         <p:spPr>
           <a:xfrm>
-            <a:off x="1938325" y="1064350"/>
-            <a:ext cx="5267325" cy="2571750"/>
+            <a:off x="575075" y="1675276"/>
+            <a:ext cx="7647700" cy="1625150"/>
           </a:xfrm>
           <a:prstGeom prst="rect">
             <a:avLst/>
@@ -7422,7 +7522,7 @@
         </p:nvSpPr>
         <p:spPr>
           <a:xfrm>
-            <a:off x="3934940" y="3728425"/>
+            <a:off x="3934953" y="3333800"/>
             <a:ext cx="1274100" cy="338700"/>
           </a:xfrm>
           <a:prstGeom prst="rect">
@@ -7463,7 +7563,7 @@
                 </a:solidFill>
                 <a:hlinkClick r:id="rId4"/>
               </a:rPr>
-              <a:t>PennyLane</a:t>
+              <a:t>Medium</a:t>
             </a:r>
             <a:endParaRPr sz="1000">
               <a:solidFill>
@@ -7500,7 +7600,7 @@
       </p:grpSpPr>
       <p:pic>
         <p:nvPicPr>
-          <p:cNvPr descr="Boo Lefou The Devil Pug | Our little devil Boo Lefou. I woul… | Flickr" id="137" name="Google Shape;137;p27"/>
+          <p:cNvPr id="137" name="Google Shape;137;p27"/>
           <p:cNvPicPr preferRelativeResize="0"/>
           <p:nvPr/>
         </p:nvPicPr>
@@ -7514,8 +7614,8 @@
         </p:blipFill>
         <p:spPr>
           <a:xfrm>
-            <a:off x="2658663" y="152400"/>
-            <a:ext cx="3826684" cy="4838700"/>
+            <a:off x="1938325" y="1064350"/>
+            <a:ext cx="5267325" cy="2571750"/>
           </a:xfrm>
           <a:prstGeom prst="rect">
             <a:avLst/>
@@ -7526,6 +7626,65 @@
           </a:ln>
         </p:spPr>
       </p:pic>
+      <p:sp>
+        <p:nvSpPr>
+          <p:cNvPr id="138" name="Google Shape;138;p27"/>
+          <p:cNvSpPr txBox="1"/>
+          <p:nvPr/>
+        </p:nvSpPr>
+        <p:spPr>
+          <a:xfrm>
+            <a:off x="3934940" y="3728425"/>
+            <a:ext cx="1274100" cy="338700"/>
+          </a:xfrm>
+          <a:prstGeom prst="rect">
+            <a:avLst/>
+          </a:prstGeom>
+          <a:noFill/>
+          <a:ln>
+            <a:noFill/>
+          </a:ln>
+        </p:spPr>
+        <p:txBody>
+          <a:bodyPr anchorCtr="0" anchor="t" bIns="91425" lIns="91425" spcFirstLastPara="1" rIns="91425" wrap="square" tIns="91425">
+            <a:spAutoFit/>
+          </a:bodyPr>
+          <a:lstStyle/>
+          <a:p>
+            <a:pPr indent="0" lvl="0" marL="0" rtl="0" algn="l">
+              <a:spcBef>
+                <a:spcPts val="0"/>
+              </a:spcBef>
+              <a:spcAft>
+                <a:spcPts val="0"/>
+              </a:spcAft>
+              <a:buNone/>
+            </a:pPr>
+            <a:r>
+              <a:rPr lang="en" sz="1000">
+                <a:solidFill>
+                  <a:schemeClr val="dk2"/>
+                </a:solidFill>
+              </a:rPr>
+              <a:t>Fonte: </a:t>
+            </a:r>
+            <a:r>
+              <a:rPr lang="en" sz="1000" u="sng">
+                <a:solidFill>
+                  <a:schemeClr val="hlink"/>
+                </a:solidFill>
+                <a:hlinkClick r:id="rId4"/>
+              </a:rPr>
+              <a:t>PennyLane</a:t>
+            </a:r>
+            <a:endParaRPr sz="1000">
+              <a:solidFill>
+                <a:schemeClr val="dk2"/>
+              </a:solidFill>
+            </a:endParaRPr>
+          </a:p>
+        </p:txBody>
+      </p:sp>
     </p:spTree>
   </p:cSld>
   <p:clrMapOvr>
@@ -7539,7 +7698,7 @@
   <p:cSld>
     <p:spTree>
       <p:nvGrpSpPr>
-        <p:cNvPr id="141" name="Shape 141"/>
+        <p:cNvPr id="142" name="Shape 142"/>
         <p:cNvGrpSpPr/>
         <p:nvPr/>
       </p:nvGrpSpPr>
@@ -7553,7 +7712,60 @@
       </p:grpSpPr>
       <p:pic>
         <p:nvPicPr>
-          <p:cNvPr descr="File:Sportacus 1.jpg - Wikimedia Commons" id="142" name="Google Shape;142;p28"/>
+          <p:cNvPr descr="Boo Lefou The Devil Pug | Our little devil Boo Lefou. I woul… | Flickr" id="143" name="Google Shape;143;p28"/>
+          <p:cNvPicPr preferRelativeResize="0"/>
+          <p:nvPr/>
+        </p:nvPicPr>
+        <p:blipFill>
+          <a:blip r:embed="rId3">
+            <a:alphaModFix/>
+          </a:blip>
+          <a:stretch>
+            <a:fillRect/>
+          </a:stretch>
+        </p:blipFill>
+        <p:spPr>
+          <a:xfrm>
+            <a:off x="2658663" y="152400"/>
+            <a:ext cx="3826684" cy="4838700"/>
+          </a:xfrm>
+          <a:prstGeom prst="rect">
+            <a:avLst/>
+          </a:prstGeom>
+          <a:noFill/>
+          <a:ln>
+            <a:noFill/>
+          </a:ln>
+        </p:spPr>
+      </p:pic>
+    </p:spTree>
+  </p:cSld>
+  <p:clrMapOvr>
+    <a:masterClrMapping/>
+  </p:clrMapOvr>
+</p:sld>
+</file>
+
+<file path=ppt/slides/slide17.xml><?xml version="1.0" encoding="utf-8"?>
+<p:sld xmlns:a="http://schemas.openxmlformats.org/drawingml/2006/main" xmlns:r="http://schemas.openxmlformats.org/officeDocument/2006/relationships" xmlns:mc="http://schemas.openxmlformats.org/markup-compatibility/2006" xmlns:mv="urn:schemas-microsoft-com:mac:vml" xmlns:p="http://schemas.openxmlformats.org/presentationml/2006/main" xmlns:c="http://schemas.openxmlformats.org/drawingml/2006/chart" xmlns:dgm="http://schemas.openxmlformats.org/drawingml/2006/diagram" xmlns:o="urn:schemas-microsoft-com:office:office" xmlns:v="urn:schemas-microsoft-com:vml" xmlns:pvml="urn:schemas-microsoft-com:office:powerpoint" xmlns:com="http://schemas.openxmlformats.org/drawingml/2006/compatibility" xmlns:p14="http://schemas.microsoft.com/office/powerpoint/2010/main" xmlns:p15="http://schemas.microsoft.com/office/powerpoint/2012/main" xmlns:ahyp="http://schemas.microsoft.com/office/drawing/2018/hyperlinkcolor">
+  <p:cSld>
+    <p:spTree>
+      <p:nvGrpSpPr>
+        <p:cNvPr id="147" name="Shape 147"/>
+        <p:cNvGrpSpPr/>
+        <p:nvPr/>
+      </p:nvGrpSpPr>
+      <p:grpSpPr>
+        <a:xfrm>
+          <a:off x="0" y="0"/>
+          <a:ext cx="0" cy="0"/>
+          <a:chOff x="0" y="0"/>
+          <a:chExt cx="0" cy="0"/>
+        </a:xfrm>
+      </p:grpSpPr>
+      <p:pic>
+        <p:nvPicPr>
+          <p:cNvPr descr="File:Sportacus 1.jpg - Wikimedia Commons" id="148" name="Google Shape;148;p29"/>
           <p:cNvPicPr preferRelativeResize="0"/>
           <p:nvPr/>
         </p:nvPicPr>
@@ -8223,8 +8435,8 @@
         </p:blipFill>
         <p:spPr>
           <a:xfrm>
-            <a:off x="256200" y="1405375"/>
-            <a:ext cx="8439150" cy="2162175"/>
+            <a:off x="1384625" y="110850"/>
+            <a:ext cx="6096000" cy="4572000"/>
           </a:xfrm>
           <a:prstGeom prst="rect">
             <a:avLst/>
@@ -8243,8 +8455,8 @@
         </p:nvSpPr>
         <p:spPr>
           <a:xfrm>
-            <a:off x="4042338" y="3731275"/>
-            <a:ext cx="1059300" cy="338700"/>
+            <a:off x="3902963" y="4682850"/>
+            <a:ext cx="1059300" cy="492600"/>
           </a:xfrm>
           <a:prstGeom prst="rect">
             <a:avLst/>
@@ -8284,7 +8496,7 @@
                 </a:solidFill>
                 <a:hlinkClick r:id="rId4"/>
               </a:rPr>
-              <a:t>IBM</a:t>
+              <a:t>DataCamp</a:t>
             </a:r>
             <a:endParaRPr sz="1000">
               <a:solidFill>
@@ -8335,8 +8547,8 @@
         </p:blipFill>
         <p:spPr>
           <a:xfrm>
-            <a:off x="2066925" y="456975"/>
-            <a:ext cx="5010150" cy="3657600"/>
+            <a:off x="256200" y="1405375"/>
+            <a:ext cx="8439150" cy="2162175"/>
           </a:xfrm>
           <a:prstGeom prst="rect">
             <a:avLst/>
@@ -8355,7 +8567,7 @@
         </p:nvSpPr>
         <p:spPr>
           <a:xfrm>
-            <a:off x="4042338" y="4070475"/>
+            <a:off x="4042338" y="3731275"/>
             <a:ext cx="1059300" cy="338700"/>
           </a:xfrm>
           <a:prstGeom prst="rect">
@@ -8396,7 +8608,7 @@
                 </a:solidFill>
                 <a:hlinkClick r:id="rId4"/>
               </a:rPr>
-              <a:t>Giphy</a:t>
+              <a:t>IBM</a:t>
             </a:r>
             <a:endParaRPr sz="1000">
               <a:solidFill>
@@ -8447,8 +8659,8 @@
         </p:blipFill>
         <p:spPr>
           <a:xfrm>
-            <a:off x="1992250" y="443150"/>
-            <a:ext cx="5159500" cy="3869625"/>
+            <a:off x="2066925" y="456975"/>
+            <a:ext cx="5010150" cy="3657600"/>
           </a:xfrm>
           <a:prstGeom prst="rect">
             <a:avLst/>
@@ -8467,8 +8679,8 @@
         </p:nvSpPr>
         <p:spPr>
           <a:xfrm>
-            <a:off x="4042353" y="4070475"/>
-            <a:ext cx="1274100" cy="338700"/>
+            <a:off x="4042338" y="4070475"/>
+            <a:ext cx="1059300" cy="338700"/>
           </a:xfrm>
           <a:prstGeom prst="rect">
             <a:avLst/>
@@ -8508,7 +8720,7 @@
                 </a:solidFill>
                 <a:hlinkClick r:id="rId4"/>
               </a:rPr>
-              <a:t>Wikimedia</a:t>
+              <a:t>Giphy</a:t>
             </a:r>
             <a:endParaRPr sz="1000">
               <a:solidFill>
